--- a/doc/sound_Analysis/schema_bloc.pptx
+++ b/doc/sound_Analysis/schema_bloc.pptx
@@ -7,6 +7,8 @@
   <p:sldIdLst>
     <p:sldId id="256" r:id="rId2"/>
     <p:sldId id="258" r:id="rId3"/>
+    <p:sldId id="259" r:id="rId4"/>
+    <p:sldId id="260" r:id="rId5"/>
   </p:sldIdLst>
   <p:sldSz cx="9144000" cy="6858000" type="screen4x3"/>
   <p:notesSz cx="6858000" cy="9144000"/>
@@ -290,7 +292,7 @@
             <a:fld id="{AA309A6D-C09C-4548-B29A-6CF363A7E532}" type="datetimeFigureOut">
               <a:rPr lang="fr-FR" smtClean="0"/>
               <a:pPr/>
-              <a:t>16/05/2015</a:t>
+              <a:t>29/05/2015</a:t>
             </a:fld>
             <a:endParaRPr lang="fr-BE"/>
           </a:p>
@@ -457,7 +459,7 @@
             <a:fld id="{AA309A6D-C09C-4548-B29A-6CF363A7E532}" type="datetimeFigureOut">
               <a:rPr lang="fr-FR" smtClean="0"/>
               <a:pPr/>
-              <a:t>16/05/2015</a:t>
+              <a:t>29/05/2015</a:t>
             </a:fld>
             <a:endParaRPr lang="fr-BE"/>
           </a:p>
@@ -634,7 +636,7 @@
             <a:fld id="{AA309A6D-C09C-4548-B29A-6CF363A7E532}" type="datetimeFigureOut">
               <a:rPr lang="fr-FR" smtClean="0"/>
               <a:pPr/>
-              <a:t>16/05/2015</a:t>
+              <a:t>29/05/2015</a:t>
             </a:fld>
             <a:endParaRPr lang="fr-BE"/>
           </a:p>
@@ -801,7 +803,7 @@
             <a:fld id="{AA309A6D-C09C-4548-B29A-6CF363A7E532}" type="datetimeFigureOut">
               <a:rPr lang="fr-FR" smtClean="0"/>
               <a:pPr/>
-              <a:t>16/05/2015</a:t>
+              <a:t>29/05/2015</a:t>
             </a:fld>
             <a:endParaRPr lang="fr-BE"/>
           </a:p>
@@ -1044,7 +1046,7 @@
             <a:fld id="{AA309A6D-C09C-4548-B29A-6CF363A7E532}" type="datetimeFigureOut">
               <a:rPr lang="fr-FR" smtClean="0"/>
               <a:pPr/>
-              <a:t>16/05/2015</a:t>
+              <a:t>29/05/2015</a:t>
             </a:fld>
             <a:endParaRPr lang="fr-BE"/>
           </a:p>
@@ -1329,7 +1331,7 @@
             <a:fld id="{AA309A6D-C09C-4548-B29A-6CF363A7E532}" type="datetimeFigureOut">
               <a:rPr lang="fr-FR" smtClean="0"/>
               <a:pPr/>
-              <a:t>16/05/2015</a:t>
+              <a:t>29/05/2015</a:t>
             </a:fld>
             <a:endParaRPr lang="fr-BE"/>
           </a:p>
@@ -1748,7 +1750,7 @@
             <a:fld id="{AA309A6D-C09C-4548-B29A-6CF363A7E532}" type="datetimeFigureOut">
               <a:rPr lang="fr-FR" smtClean="0"/>
               <a:pPr/>
-              <a:t>16/05/2015</a:t>
+              <a:t>29/05/2015</a:t>
             </a:fld>
             <a:endParaRPr lang="fr-BE"/>
           </a:p>
@@ -1863,7 +1865,7 @@
             <a:fld id="{AA309A6D-C09C-4548-B29A-6CF363A7E532}" type="datetimeFigureOut">
               <a:rPr lang="fr-FR" smtClean="0"/>
               <a:pPr/>
-              <a:t>16/05/2015</a:t>
+              <a:t>29/05/2015</a:t>
             </a:fld>
             <a:endParaRPr lang="fr-BE"/>
           </a:p>
@@ -1955,7 +1957,7 @@
             <a:fld id="{AA309A6D-C09C-4548-B29A-6CF363A7E532}" type="datetimeFigureOut">
               <a:rPr lang="fr-FR" smtClean="0"/>
               <a:pPr/>
-              <a:t>16/05/2015</a:t>
+              <a:t>29/05/2015</a:t>
             </a:fld>
             <a:endParaRPr lang="fr-BE"/>
           </a:p>
@@ -2229,7 +2231,7 @@
             <a:fld id="{AA309A6D-C09C-4548-B29A-6CF363A7E532}" type="datetimeFigureOut">
               <a:rPr lang="fr-FR" smtClean="0"/>
               <a:pPr/>
-              <a:t>16/05/2015</a:t>
+              <a:t>29/05/2015</a:t>
             </a:fld>
             <a:endParaRPr lang="fr-BE"/>
           </a:p>
@@ -2479,7 +2481,7 @@
             <a:fld id="{AA309A6D-C09C-4548-B29A-6CF363A7E532}" type="datetimeFigureOut">
               <a:rPr lang="fr-FR" smtClean="0"/>
               <a:pPr/>
-              <a:t>16/05/2015</a:t>
+              <a:t>29/05/2015</a:t>
             </a:fld>
             <a:endParaRPr lang="fr-BE"/>
           </a:p>
@@ -2689,7 +2691,7 @@
             <a:fld id="{AA309A6D-C09C-4548-B29A-6CF363A7E532}" type="datetimeFigureOut">
               <a:rPr lang="fr-FR" smtClean="0"/>
               <a:pPr/>
-              <a:t>16/05/2015</a:t>
+              <a:t>29/05/2015</a:t>
             </a:fld>
             <a:endParaRPr lang="fr-BE"/>
           </a:p>
@@ -4452,7 +4454,7 @@
         </p:nvSpPr>
         <p:spPr>
           <a:xfrm>
-            <a:off x="2987824" y="3933056"/>
+            <a:off x="2915816" y="3933056"/>
             <a:ext cx="2088232" cy="1224136"/>
           </a:xfrm>
           <a:prstGeom prst="rect">
@@ -4601,8 +4603,8 @@
         </p:blipFill>
         <p:spPr bwMode="auto">
           <a:xfrm>
-            <a:off x="6804248" y="1916832"/>
-            <a:ext cx="1944216" cy="1944216"/>
+            <a:off x="6660232" y="1772816"/>
+            <a:ext cx="2160240" cy="2160240"/>
           </a:xfrm>
           <a:prstGeom prst="rect">
             <a:avLst/>
@@ -4849,6 +4851,289 @@
           </a:fontRef>
         </p:style>
       </p:cxnSp>
+    </p:spTree>
+  </p:cSld>
+  <p:clrMapOvr>
+    <a:masterClrMapping/>
+  </p:clrMapOvr>
+</p:sld>
+</file>
+
+<file path=ppt/slides/slide3.xml><?xml version="1.0" encoding="utf-8"?>
+<p:sld xmlns:a="http://schemas.openxmlformats.org/drawingml/2006/main" xmlns:r="http://schemas.openxmlformats.org/officeDocument/2006/relationships" xmlns:p="http://schemas.openxmlformats.org/presentationml/2006/main">
+  <p:cSld>
+    <p:spTree>
+      <p:nvGrpSpPr>
+        <p:cNvPr id="1" name=""/>
+        <p:cNvGrpSpPr/>
+        <p:nvPr/>
+      </p:nvGrpSpPr>
+      <p:grpSpPr>
+        <a:xfrm>
+          <a:off x="0" y="0"/>
+          <a:ext cx="0" cy="0"/>
+          <a:chOff x="0" y="0"/>
+          <a:chExt cx="0" cy="0"/>
+        </a:xfrm>
+      </p:grpSpPr>
+      <p:sp>
+        <p:nvSpPr>
+          <p:cNvPr id="2" name="Titre 1"/>
+          <p:cNvSpPr>
+            <a:spLocks noGrp="1"/>
+          </p:cNvSpPr>
+          <p:nvPr>
+            <p:ph type="title"/>
+          </p:nvPr>
+        </p:nvSpPr>
+        <p:spPr/>
+        <p:txBody>
+          <a:bodyPr/>
+          <a:lstStyle/>
+          <a:p>
+            <a:r>
+              <a:rPr lang="fr-CH" dirty="0" smtClean="0"/>
+              <a:t>Frame disposition</a:t>
+            </a:r>
+            <a:endParaRPr lang="fr-CH" dirty="0"/>
+          </a:p>
+        </p:txBody>
+      </p:sp>
+      <p:sp>
+        <p:nvSpPr>
+          <p:cNvPr id="4" name="Rectangle 3"/>
+          <p:cNvSpPr/>
+          <p:nvPr/>
+        </p:nvSpPr>
+        <p:spPr>
+          <a:xfrm>
+            <a:off x="1187624" y="1700808"/>
+            <a:ext cx="7056784" cy="3888432"/>
+          </a:xfrm>
+          <a:prstGeom prst="rect">
+            <a:avLst/>
+          </a:prstGeom>
+          <a:noFill/>
+          <a:ln w="76200"/>
+        </p:spPr>
+        <p:style>
+          <a:lnRef idx="2">
+            <a:schemeClr val="accent1">
+              <a:shade val="50000"/>
+            </a:schemeClr>
+          </a:lnRef>
+          <a:fillRef idx="1">
+            <a:schemeClr val="accent1"/>
+          </a:fillRef>
+          <a:effectRef idx="0">
+            <a:schemeClr val="accent1"/>
+          </a:effectRef>
+          <a:fontRef idx="minor">
+            <a:schemeClr val="lt1"/>
+          </a:fontRef>
+        </p:style>
+        <p:txBody>
+          <a:bodyPr rtlCol="0" anchor="ctr"/>
+          <a:lstStyle/>
+          <a:p>
+            <a:pPr algn="ctr"/>
+            <a:endParaRPr lang="fr-CH"/>
+          </a:p>
+        </p:txBody>
+      </p:sp>
+      <p:sp>
+        <p:nvSpPr>
+          <p:cNvPr id="5" name="ZoneTexte 4"/>
+          <p:cNvSpPr txBox="1"/>
+          <p:nvPr/>
+        </p:nvSpPr>
+        <p:spPr>
+          <a:xfrm>
+            <a:off x="3851920" y="1988840"/>
+            <a:ext cx="2880320" cy="369332"/>
+          </a:xfrm>
+          <a:prstGeom prst="rect">
+            <a:avLst/>
+          </a:prstGeom>
+          <a:noFill/>
+        </p:spPr>
+        <p:txBody>
+          <a:bodyPr wrap="square" rtlCol="0">
+            <a:spAutoFit/>
+          </a:bodyPr>
+          <a:lstStyle/>
+          <a:p>
+            <a:r>
+              <a:rPr lang="fr-CH" dirty="0" err="1" smtClean="0"/>
+              <a:t>FPDJ_SoundMix</a:t>
+            </a:r>
+            <a:endParaRPr lang="fr-CH" dirty="0"/>
+          </a:p>
+        </p:txBody>
+      </p:sp>
+      <p:sp>
+        <p:nvSpPr>
+          <p:cNvPr id="6" name="ZoneTexte 5"/>
+          <p:cNvSpPr txBox="1"/>
+          <p:nvPr/>
+        </p:nvSpPr>
+        <p:spPr>
+          <a:xfrm>
+            <a:off x="1907704" y="2636912"/>
+            <a:ext cx="5832648" cy="369332"/>
+          </a:xfrm>
+          <a:prstGeom prst="rect">
+            <a:avLst/>
+          </a:prstGeom>
+          <a:noFill/>
+          <a:ln>
+            <a:solidFill>
+              <a:schemeClr val="tx2">
+                <a:lumMod val="60000"/>
+                <a:lumOff val="40000"/>
+              </a:schemeClr>
+            </a:solidFill>
+          </a:ln>
+        </p:spPr>
+        <p:txBody>
+          <a:bodyPr wrap="square" rtlCol="0">
+            <a:spAutoFit/>
+          </a:bodyPr>
+          <a:lstStyle/>
+          <a:p>
+            <a:pPr algn="ctr"/>
+            <a:r>
+              <a:rPr lang="fr-CH" dirty="0" err="1" smtClean="0"/>
+              <a:t>Wave</a:t>
+            </a:r>
+            <a:r>
+              <a:rPr lang="fr-CH" dirty="0" smtClean="0"/>
+              <a:t> Scope visualisation</a:t>
+            </a:r>
+          </a:p>
+        </p:txBody>
+      </p:sp>
+      <p:sp>
+        <p:nvSpPr>
+          <p:cNvPr id="7" name="ZoneTexte 6"/>
+          <p:cNvSpPr txBox="1"/>
+          <p:nvPr/>
+        </p:nvSpPr>
+        <p:spPr>
+          <a:xfrm>
+            <a:off x="1907704" y="3573016"/>
+            <a:ext cx="5832648" cy="1754326"/>
+          </a:xfrm>
+          <a:prstGeom prst="rect">
+            <a:avLst/>
+          </a:prstGeom>
+          <a:noFill/>
+          <a:ln>
+            <a:solidFill>
+              <a:schemeClr val="tx2">
+                <a:lumMod val="60000"/>
+                <a:lumOff val="40000"/>
+              </a:schemeClr>
+            </a:solidFill>
+          </a:ln>
+        </p:spPr>
+        <p:txBody>
+          <a:bodyPr wrap="square" rtlCol="0">
+            <a:spAutoFit/>
+          </a:bodyPr>
+          <a:lstStyle/>
+          <a:p>
+            <a:pPr algn="ctr"/>
+            <a:endParaRPr lang="fr-CH" dirty="0" smtClean="0"/>
+          </a:p>
+          <a:p>
+            <a:pPr algn="ctr"/>
+            <a:endParaRPr lang="fr-CH" dirty="0" smtClean="0"/>
+          </a:p>
+          <a:p>
+            <a:pPr algn="ctr"/>
+            <a:r>
+              <a:rPr lang="fr-CH" dirty="0" smtClean="0"/>
+              <a:t>Bar visualisation</a:t>
+            </a:r>
+          </a:p>
+          <a:p>
+            <a:pPr algn="ctr"/>
+            <a:endParaRPr lang="fr-CH" dirty="0" smtClean="0"/>
+          </a:p>
+          <a:p>
+            <a:pPr algn="ctr"/>
+            <a:endParaRPr lang="fr-CH" dirty="0" smtClean="0"/>
+          </a:p>
+          <a:p>
+            <a:pPr algn="ctr"/>
+            <a:endParaRPr lang="fr-CH" dirty="0" smtClean="0"/>
+          </a:p>
+        </p:txBody>
+      </p:sp>
+    </p:spTree>
+  </p:cSld>
+  <p:clrMapOvr>
+    <a:masterClrMapping/>
+  </p:clrMapOvr>
+</p:sld>
+</file>
+
+<file path=ppt/slides/slide4.xml><?xml version="1.0" encoding="utf-8"?>
+<p:sld xmlns:a="http://schemas.openxmlformats.org/drawingml/2006/main" xmlns:r="http://schemas.openxmlformats.org/officeDocument/2006/relationships" xmlns:p="http://schemas.openxmlformats.org/presentationml/2006/main">
+  <p:cSld>
+    <p:spTree>
+      <p:nvGrpSpPr>
+        <p:cNvPr id="1" name=""/>
+        <p:cNvGrpSpPr/>
+        <p:nvPr/>
+      </p:nvGrpSpPr>
+      <p:grpSpPr>
+        <a:xfrm>
+          <a:off x="0" y="0"/>
+          <a:ext cx="0" cy="0"/>
+          <a:chOff x="0" y="0"/>
+          <a:chExt cx="0" cy="0"/>
+        </a:xfrm>
+      </p:grpSpPr>
+      <p:sp>
+        <p:nvSpPr>
+          <p:cNvPr id="2" name="Titre 1"/>
+          <p:cNvSpPr>
+            <a:spLocks noGrp="1"/>
+          </p:cNvSpPr>
+          <p:nvPr>
+            <p:ph type="title"/>
+          </p:nvPr>
+        </p:nvSpPr>
+        <p:spPr/>
+        <p:txBody>
+          <a:bodyPr/>
+          <a:lstStyle/>
+          <a:p>
+            <a:endParaRPr lang="fr-CH"/>
+          </a:p>
+        </p:txBody>
+      </p:sp>
+      <p:sp>
+        <p:nvSpPr>
+          <p:cNvPr id="3" name="Espace réservé du contenu 2"/>
+          <p:cNvSpPr>
+            <a:spLocks noGrp="1"/>
+          </p:cNvSpPr>
+          <p:nvPr>
+            <p:ph idx="1"/>
+          </p:nvPr>
+        </p:nvSpPr>
+        <p:spPr/>
+        <p:txBody>
+          <a:bodyPr/>
+          <a:lstStyle/>
+          <a:p>
+            <a:endParaRPr lang="fr-CH" dirty="0"/>
+          </a:p>
+        </p:txBody>
+      </p:sp>
     </p:spTree>
   </p:cSld>
   <p:clrMapOvr>
